--- a/prezentacije/TA i Selenium osnove - class 2.pptx
+++ b/prezentacije/TA i Selenium osnove - class 2.pptx
@@ -31,7 +31,7 @@
     <p:sldId id="642" r:id="rId22"/>
     <p:sldId id="631" r:id="rId23"/>
     <p:sldId id="622" r:id="rId24"/>
-    <p:sldId id="298" r:id="rId25"/>
+    <p:sldId id="644" r:id="rId25"/>
   </p:sldIdLst>
   <p:sldSz cx="12192000" cy="6858000"/>
   <p:notesSz cx="7099300" cy="10234613"/>
@@ -428,7 +428,7 @@
           <a:p>
             <a:fld id="{F4985468-EA09-47E3-8036-5BF84197CAEF}" type="datetimeFigureOut">
               <a:rPr lang="en-GB" smtClean="0"/>
-              <a:t>06/04/2022</a:t>
+              <a:t>02/10/2024</a:t>
             </a:fld>
             <a:endParaRPr lang="en-GB"/>
           </a:p>
@@ -593,7 +593,7 @@
           <a:p>
             <a:fld id="{C303BD5E-F603-431C-B79D-697385AE35AF}" type="datetimeFigureOut">
               <a:rPr lang="en-GB" smtClean="0"/>
-              <a:t>06/04/2022</a:t>
+              <a:t>02/10/2024</a:t>
             </a:fld>
             <a:endParaRPr lang="en-GB"/>
           </a:p>
@@ -1081,14 +1081,6 @@
           <a:bodyPr/>
           <a:lstStyle/>
           <a:p>
-            <a:r>
-              <a:rPr lang="sr-Latn-RS" dirty="0"/>
-              <a:t>-</a:t>
-            </a:r>
-            <a:r>
-              <a:rPr lang="sr-Latn-RS" baseline="0" dirty="0"/>
-              <a:t> Poruka nije obavezna</a:t>
-            </a:r>
             <a:endParaRPr lang="en-US" dirty="0"/>
           </a:p>
         </p:txBody>
@@ -1173,14 +1165,6 @@
           <a:bodyPr/>
           <a:lstStyle/>
           <a:p>
-            <a:r>
-              <a:rPr lang="sr-Latn-RS" dirty="0"/>
-              <a:t>-</a:t>
-            </a:r>
-            <a:r>
-              <a:rPr lang="sr-Latn-RS" baseline="0" dirty="0"/>
-              <a:t> Poruka nije obavezna</a:t>
-            </a:r>
             <a:endParaRPr lang="en-US" dirty="0"/>
           </a:p>
         </p:txBody>
@@ -1359,7 +1343,15 @@
             </a:pPr>
             <a:r>
               <a:rPr lang="sr-Latn-RS" sz="1200" dirty="0"/>
-              <a:t>dataProviderClass nije potreban ako jsu</a:t>
+              <a:t>Atribut </a:t>
+            </a:r>
+            <a:r>
+              <a:rPr lang="sr-Latn-RS" sz="1200" dirty="0" err="1"/>
+              <a:t>dataProviderClass</a:t>
+            </a:r>
+            <a:r>
+              <a:rPr lang="sr-Latn-RS" sz="1200" dirty="0"/>
+              <a:t> nije potreban ako jsu</a:t>
             </a:r>
             <a:r>
               <a:rPr lang="sr-Latn-RS" sz="1200" baseline="0" dirty="0"/>
@@ -1716,14 +1708,6 @@
           <a:bodyPr/>
           <a:lstStyle/>
           <a:p>
-            <a:r>
-              <a:rPr lang="sr-Latn-RS" dirty="0"/>
-              <a:t>-</a:t>
-            </a:r>
-            <a:r>
-              <a:rPr lang="sr-Latn-RS" baseline="0" dirty="0"/>
-              <a:t> Poruka nije obavezna</a:t>
-            </a:r>
             <a:endParaRPr lang="en-US" dirty="0"/>
           </a:p>
         </p:txBody>
@@ -2270,14 +2254,6 @@
           <a:bodyPr/>
           <a:lstStyle/>
           <a:p>
-            <a:r>
-              <a:rPr lang="sr-Latn-RS" dirty="0"/>
-              <a:t>-</a:t>
-            </a:r>
-            <a:r>
-              <a:rPr lang="sr-Latn-RS" baseline="0" dirty="0"/>
-              <a:t> Poruka nije obavezna</a:t>
-            </a:r>
             <a:endParaRPr lang="en-US" dirty="0"/>
           </a:p>
         </p:txBody>
@@ -3327,7 +3303,7 @@
           </a:ln>
           <a:extLst>
             <a:ext uri="{C572A759-6A51-4108-AA02-DFA0A04FC94B}">
-              <ma14:wrappingTextBoxFlag xmlns="" xmlns:ma14="http://schemas.microsoft.com/office/mac/drawingml/2011/main" val="1"/>
+              <ma14:wrappingTextBoxFlag xmlns:ma14="http://schemas.microsoft.com/office/mac/drawingml/2011/main" xmlns="" val="1"/>
             </a:ext>
           </a:extLst>
         </p:spPr>
@@ -4949,7 +4925,7 @@
           </a:ln>
           <a:extLst>
             <a:ext uri="{C572A759-6A51-4108-AA02-DFA0A04FC94B}">
-              <ma14:wrappingTextBoxFlag xmlns="" xmlns:ma14="http://schemas.microsoft.com/office/mac/drawingml/2011/main" val="1"/>
+              <ma14:wrappingTextBoxFlag xmlns:ma14="http://schemas.microsoft.com/office/mac/drawingml/2011/main" xmlns="" val="1"/>
             </a:ext>
           </a:extLst>
         </p:spPr>
@@ -5595,7 +5571,7 @@
           </a:ln>
           <a:extLst>
             <a:ext uri="{C572A759-6A51-4108-AA02-DFA0A04FC94B}">
-              <ma14:wrappingTextBoxFlag xmlns="" xmlns:ma14="http://schemas.microsoft.com/office/mac/drawingml/2011/main" val="1"/>
+              <ma14:wrappingTextBoxFlag xmlns:ma14="http://schemas.microsoft.com/office/mac/drawingml/2011/main" xmlns="" val="1"/>
             </a:ext>
           </a:extLst>
         </p:spPr>
@@ -6825,7 +6801,7 @@
           </a:ln>
           <a:extLst>
             <a:ext uri="{C572A759-6A51-4108-AA02-DFA0A04FC94B}">
-              <ma14:wrappingTextBoxFlag xmlns="" xmlns:ma14="http://schemas.microsoft.com/office/mac/drawingml/2011/main" val="1"/>
+              <ma14:wrappingTextBoxFlag xmlns:ma14="http://schemas.microsoft.com/office/mac/drawingml/2011/main" xmlns="" val="1"/>
             </a:ext>
           </a:extLst>
         </p:spPr>
@@ -8140,7 +8116,7 @@
           </a:ln>
           <a:extLst>
             <a:ext uri="{C572A759-6A51-4108-AA02-DFA0A04FC94B}">
-              <ma14:wrappingTextBoxFlag xmlns="" xmlns:ma14="http://schemas.microsoft.com/office/mac/drawingml/2011/main" val="1"/>
+              <ma14:wrappingTextBoxFlag xmlns:ma14="http://schemas.microsoft.com/office/mac/drawingml/2011/main" xmlns="" val="1"/>
             </a:ext>
           </a:extLst>
         </p:spPr>
@@ -10048,7 +10024,7 @@
           </a:ln>
           <a:extLst>
             <a:ext uri="{C572A759-6A51-4108-AA02-DFA0A04FC94B}">
-              <ma14:wrappingTextBoxFlag xmlns="" xmlns:ma14="http://schemas.microsoft.com/office/mac/drawingml/2011/main" val="1"/>
+              <ma14:wrappingTextBoxFlag xmlns:ma14="http://schemas.microsoft.com/office/mac/drawingml/2011/main" xmlns="" val="1"/>
             </a:ext>
           </a:extLst>
         </p:spPr>
@@ -12760,8 +12736,24 @@
               <a:buNone/>
             </a:pPr>
             <a:r>
+              <a:rPr lang="en-US" dirty="0" err="1"/>
+              <a:t>Slavica</a:t>
+            </a:r>
+            <a:r>
               <a:rPr lang="en-US" dirty="0"/>
-              <a:t>Jelena Pete</a:t>
+              <a:t> </a:t>
+            </a:r>
+            <a:r>
+              <a:rPr lang="en-US" dirty="0" err="1"/>
+              <a:t>Mastilović</a:t>
+            </a:r>
+            <a:r>
+              <a:rPr lang="en-US" dirty="0"/>
+              <a:t> </a:t>
+            </a:r>
+            <a:r>
+              <a:rPr lang="en-US" dirty="0" err="1"/>
+              <a:t>Sulica</a:t>
             </a:r>
             <a:r>
               <a:rPr lang="sr-Latn-RS" dirty="0"/>
@@ -13939,10 +13931,14 @@
             </a:r>
             <a:r>
               <a:rPr lang="en-US" sz="1900" dirty="0"/>
-              <a:t> h</a:t>
-            </a:r>
-            <a:r>
-              <a:rPr lang="sr-Latn-RS" sz="1900" dirty="0"/>
+              <a:t> </a:t>
+            </a:r>
+            <a:r>
+              <a:rPr lang="en-US" sz="1900" b="1" i="1" dirty="0"/>
+              <a:t>h</a:t>
+            </a:r>
+            <a:r>
+              <a:rPr lang="sr-Latn-RS" sz="1900" b="1" i="1" dirty="0"/>
               <a:t>ard asserts </a:t>
             </a:r>
             <a:r>
@@ -13951,9 +13947,13 @@
             </a:r>
             <a:r>
               <a:rPr lang="en-US" sz="1900" dirty="0"/>
-              <a:t> soft asserts</a:t>
-            </a:r>
-            <a:endParaRPr lang="sr-Latn-RS" sz="1900" dirty="0"/>
+              <a:t> </a:t>
+            </a:r>
+            <a:r>
+              <a:rPr lang="en-US" sz="1900" b="1" i="1" dirty="0"/>
+              <a:t>soft asserts</a:t>
+            </a:r>
+            <a:endParaRPr lang="sr-Latn-RS" sz="1900" b="1" i="1" dirty="0"/>
           </a:p>
         </p:txBody>
       </p:sp>
@@ -16616,7 +16616,7 @@
               </a:buClr>
             </a:pPr>
             <a:r>
-              <a:rPr lang="sr-Latn-RS" sz="2200" dirty="0"/>
+              <a:rPr lang="sr-Latn-RS" sz="2000" dirty="0"/>
               <a:t>Ako se testovi ne izvršavaju kao deo nekog suite-a podrazumeva se da su deo Default suite-a</a:t>
             </a:r>
           </a:p>
@@ -21389,8 +21389,8 @@
         </p:nvSpPr>
         <p:spPr>
           <a:xfrm>
-            <a:off x="2385060" y="2399266"/>
-            <a:ext cx="7421880" cy="594213"/>
+            <a:off x="1626664" y="1921717"/>
+            <a:ext cx="7421880" cy="1740704"/>
           </a:xfrm>
         </p:spPr>
         <p:txBody>
@@ -21401,7 +21401,7 @@
           <a:p>
             <a:pPr algn="ctr"/>
             <a:r>
-              <a:rPr lang="en-GB" dirty="0"/>
+              <a:rPr lang="en-GB" sz="9600" dirty="0"/>
               <a:t>Q&amp;A</a:t>
             </a:r>
           </a:p>
@@ -21409,115 +21409,58 @@
       </p:sp>
       <p:sp>
         <p:nvSpPr>
-          <p:cNvPr id="7" name="Rectangle 6">
-            <a:extLst>
-              <a:ext uri="{FF2B5EF4-FFF2-40B4-BE49-F238E27FC236}">
-                <a16:creationId xmlns:a16="http://schemas.microsoft.com/office/drawing/2014/main" id="{A372CE98-AECF-4A5E-839C-44EAE15BD44E}"/>
-              </a:ext>
-            </a:extLst>
-          </p:cNvPr>
-          <p:cNvSpPr/>
-          <p:nvPr/>
+          <p:cNvPr id="5" name="Content Placeholder 4"/>
+          <p:cNvSpPr>
+            <a:spLocks noGrp="1"/>
+          </p:cNvSpPr>
+          <p:nvPr>
+            <p:ph idx="22"/>
+          </p:nvPr>
         </p:nvSpPr>
         <p:spPr>
           <a:xfrm>
-            <a:off x="3206888" y="3617788"/>
-            <a:ext cx="6096000" cy="1569660"/>
+            <a:off x="224143" y="3811962"/>
+            <a:ext cx="7689661" cy="810528"/>
           </a:xfrm>
-          <a:prstGeom prst="rect">
-            <a:avLst/>
-          </a:prstGeom>
         </p:spPr>
         <p:txBody>
           <a:bodyPr>
-            <a:spAutoFit/>
+            <a:normAutofit/>
           </a:bodyPr>
           <a:lstStyle/>
           <a:p>
-            <a:pPr algn="ctr"/>
-            <a:r>
-              <a:rPr lang="en-US" sz="2400" dirty="0">
-                <a:solidFill>
-                  <a:srgbClr val="FF0000"/>
-                </a:solidFill>
-              </a:rPr>
-              <a:t>Jelena Pete -  </a:t>
-            </a:r>
-            <a:r>
-              <a:rPr lang="en-US" sz="2400" dirty="0">
-                <a:solidFill>
-                  <a:srgbClr val="FF0000"/>
-                </a:solidFill>
+            <a:r>
+              <a:rPr lang="en-US" dirty="0">
                 <a:hlinkClick r:id="rId2"/>
               </a:rPr>
-              <a:t>jelena.pete@endava.com</a:t>
-            </a:r>
-            <a:br>
-              <a:rPr lang="en-US" sz="2400" dirty="0">
-                <a:solidFill>
-                  <a:srgbClr val="FF0000"/>
-                </a:solidFill>
-              </a:rPr>
-            </a:br>
-            <a:endParaRPr lang="sr-Latn-RS" sz="2400" dirty="0">
-              <a:solidFill>
-                <a:srgbClr val="FF0000"/>
-              </a:solidFill>
-            </a:endParaRPr>
-          </a:p>
-          <a:p>
-            <a:pPr algn="ctr"/>
-            <a:r>
-              <a:rPr lang="sr-Latn-RS" sz="2400" dirty="0">
-                <a:solidFill>
-                  <a:srgbClr val="FF0000"/>
-                </a:solidFill>
-              </a:rPr>
-              <a:t>Boško Nikolić</a:t>
-            </a:r>
-            <a:r>
-              <a:rPr lang="en-US" sz="2400" dirty="0">
-                <a:solidFill>
-                  <a:srgbClr val="FF0000"/>
-                </a:solidFill>
-              </a:rPr>
-              <a:t> -</a:t>
-            </a:r>
-            <a:r>
-              <a:rPr lang="sr-Latn-RS" sz="2400" dirty="0">
-                <a:solidFill>
-                  <a:srgbClr val="FF0000"/>
-                </a:solidFill>
-              </a:rPr>
-              <a:t> </a:t>
-            </a:r>
-            <a:r>
-              <a:rPr lang="sr-Latn-RS" sz="2400" dirty="0">
+              <a:t>slavicamastilovic.sulica@endava.com</a:t>
+            </a:r>
+            <a:endParaRPr lang="en-US" dirty="0"/>
+          </a:p>
+          <a:p>
+            <a:r>
+              <a:rPr lang="sr-Latn-RS" dirty="0">
                 <a:hlinkClick r:id="rId3"/>
               </a:rPr>
               <a:t>bosko.nikolic</a:t>
             </a:r>
             <a:r>
-              <a:rPr lang="en-US" sz="2400" dirty="0">
+              <a:rPr lang="en-US" dirty="0">
                 <a:hlinkClick r:id="rId3"/>
               </a:rPr>
               <a:t>@endava.com</a:t>
             </a:r>
-            <a:endParaRPr lang="sr-Latn-RS" sz="2400" dirty="0"/>
-          </a:p>
-          <a:p>
-            <a:endParaRPr lang="en-US" sz="2400" dirty="0">
-              <a:solidFill>
-                <a:srgbClr val="FF0000"/>
-              </a:solidFill>
-            </a:endParaRPr>
+            <a:endParaRPr lang="sr-Latn-RS" dirty="0"/>
+          </a:p>
+          <a:p>
+            <a:endParaRPr lang="en-GB" dirty="0"/>
           </a:p>
         </p:txBody>
       </p:sp>
     </p:spTree>
     <p:extLst>
       <p:ext uri="{BB962C8B-B14F-4D97-AF65-F5344CB8AC3E}">
-        <p14:creationId xmlns:p14="http://schemas.microsoft.com/office/powerpoint/2010/main" val="1048977810"/>
+        <p14:creationId xmlns:p14="http://schemas.microsoft.com/office/powerpoint/2010/main" val="11405386"/>
       </p:ext>
     </p:extLst>
   </p:cSld>
@@ -21952,8 +21895,16 @@
               <a:t>, </a:t>
             </a:r>
             <a:r>
-              <a:rPr lang="sr-Latn-RS" sz="2200" dirty="0"/>
-              <a:t>Juint</a:t>
+              <a:rPr lang="sr-Latn-RS" sz="2200" dirty="0" err="1"/>
+              <a:t>JUint</a:t>
+            </a:r>
+            <a:r>
+              <a:rPr lang="en-US" sz="2200" dirty="0"/>
+              <a:t>, </a:t>
+            </a:r>
+            <a:r>
+              <a:rPr lang="en-US" sz="2200" dirty="0" err="1"/>
+              <a:t>NUnit</a:t>
             </a:r>
             <a:r>
               <a:rPr lang="en-US" sz="2200" dirty="0"/>
@@ -22480,7 +22431,7 @@
             </a:r>
             <a:r>
               <a:rPr lang="en-US" sz="2200" dirty="0"/>
-              <a:t> 7.5</a:t>
+              <a:t> 7.10 (April 2024.)</a:t>
             </a:r>
             <a:endParaRPr lang="sr-Cyrl-RS" sz="2200" dirty="0"/>
           </a:p>
@@ -22877,10 +22828,10 @@
       </p:sp>
       <p:pic>
         <p:nvPicPr>
-          <p:cNvPr id="3" name="Picture 2">
+          <p:cNvPr id="7" name="Picture 6" descr="A screenshot of a computer&#10;&#10;Description automatically generated">
             <a:extLst>
               <a:ext uri="{FF2B5EF4-FFF2-40B4-BE49-F238E27FC236}">
-                <a16:creationId xmlns:a16="http://schemas.microsoft.com/office/drawing/2014/main" id="{A1882E48-DDD2-4262-9C0C-FBEE3E11930A}"/>
+                <a16:creationId xmlns:a16="http://schemas.microsoft.com/office/drawing/2014/main" id="{3BD54F4E-E88B-2C02-FA46-6D93E959ED8E}"/>
               </a:ext>
             </a:extLst>
           </p:cNvPr>
@@ -22890,15 +22841,21 @@
           <p:nvPr/>
         </p:nvPicPr>
         <p:blipFill>
-          <a:blip r:embed="rId3"/>
+          <a:blip r:embed="rId3">
+            <a:extLst>
+              <a:ext uri="{28A0092B-C50C-407E-A947-70E740481C1C}">
+                <a14:useLocalDpi xmlns:a14="http://schemas.microsoft.com/office/drawing/2010/main" val="0"/>
+              </a:ext>
+            </a:extLst>
+          </a:blip>
           <a:stretch>
             <a:fillRect/>
           </a:stretch>
         </p:blipFill>
         <p:spPr>
           <a:xfrm>
-            <a:off x="1811382" y="1830325"/>
-            <a:ext cx="8164848" cy="4326635"/>
+            <a:off x="2995248" y="1974230"/>
+            <a:ext cx="6201503" cy="4315032"/>
           </a:xfrm>
           <a:prstGeom prst="rect">
             <a:avLst/>
@@ -25521,15 +25478,6 @@
 </file>
 
 <file path=customXml/item1.xml><?xml version="1.0" encoding="utf-8"?>
-<?mso-contentType ?>
-<FormTemplates xmlns="http://schemas.microsoft.com/sharepoint/v3/contenttype/forms">
-  <Display>DocumentLibraryForm</Display>
-  <Edit>DocumentLibraryForm</Edit>
-  <New>DocumentLibraryForm</New>
-</FormTemplates>
-</file>
-
-<file path=customXml/item2.xml><?xml version="1.0" encoding="utf-8"?>
 <ct:contentTypeSchema xmlns:ct="http://schemas.microsoft.com/office/2006/metadata/contentType" xmlns:ma="http://schemas.microsoft.com/office/2006/metadata/properties/metaAttributes" ct:_="" ma:_="" ma:contentTypeName="Document" ma:contentTypeID="0x010100CB48366BCCD67942B8674250044DBD67" ma:contentTypeVersion="10" ma:contentTypeDescription="Create a new document." ma:contentTypeScope="" ma:versionID="cd1effdc286a9e45d56ee1446a5f3f76">
   <xsd:schema xmlns:xsd="http://www.w3.org/2001/XMLSchema" xmlns:xs="http://www.w3.org/2001/XMLSchema" xmlns:p="http://schemas.microsoft.com/office/2006/metadata/properties" xmlns:ns2="e0114edf-9a72-4599-b1be-362d65013b4c" targetNamespace="http://schemas.microsoft.com/office/2006/metadata/properties" ma:root="true" ma:fieldsID="7b102bfe2b52170aa648850ab75fceb5" ns2:_="">
     <xsd:import namespace="e0114edf-9a72-4599-b1be-362d65013b4c"/>
@@ -25713,6 +25661,15 @@
 </ct:contentTypeSchema>
 </file>
 
+<file path=customXml/item2.xml><?xml version="1.0" encoding="utf-8"?>
+<?mso-contentType ?>
+<FormTemplates xmlns="http://schemas.microsoft.com/sharepoint/v3/contenttype/forms">
+  <Display>DocumentLibraryForm</Display>
+  <Edit>DocumentLibraryForm</Edit>
+  <New>DocumentLibraryForm</New>
+</FormTemplates>
+</file>
+
 <file path=customXml/item3.xml><?xml version="1.0" encoding="utf-8"?>
 <p:properties xmlns:p="http://schemas.microsoft.com/office/2006/metadata/properties" xmlns:xsi="http://www.w3.org/2001/XMLSchema-instance" xmlns:pc="http://schemas.microsoft.com/office/infopath/2007/PartnerControls">
   <documentManagement/>
@@ -25720,14 +25677,6 @@
 </file>
 
 <file path=customXml/itemProps1.xml><?xml version="1.0" encoding="utf-8"?>
-<ds:datastoreItem xmlns:ds="http://schemas.openxmlformats.org/officeDocument/2006/customXml" ds:itemID="{F42C2D96-7AE6-498C-A65A-58BFE51032EB}">
-  <ds:schemaRefs>
-    <ds:schemaRef ds:uri="http://schemas.microsoft.com/sharepoint/v3/contenttype/forms"/>
-  </ds:schemaRefs>
-</ds:datastoreItem>
-</file>
-
-<file path=customXml/itemProps2.xml><?xml version="1.0" encoding="utf-8"?>
 <ds:datastoreItem xmlns:ds="http://schemas.openxmlformats.org/officeDocument/2006/customXml" ds:itemID="{08FD0003-DC8C-42B0-8494-51E181310018}">
   <ds:schemaRefs>
     <ds:schemaRef ds:uri="e0114edf-9a72-4599-b1be-362d65013b4c"/>
@@ -25741,6 +25690,14 @@
     <ds:schemaRef ds:uri="http://schemas.microsoft.com/office/infopath/2007/PartnerControls"/>
     <ds:schemaRef ds:uri="http://schemas.openxmlformats.org/package/2006/metadata/core-properties"/>
     <ds:schemaRef ds:uri="http://www.w3.org/2001/XMLSchema"/>
+  </ds:schemaRefs>
+</ds:datastoreItem>
+</file>
+
+<file path=customXml/itemProps2.xml><?xml version="1.0" encoding="utf-8"?>
+<ds:datastoreItem xmlns:ds="http://schemas.openxmlformats.org/officeDocument/2006/customXml" ds:itemID="{F42C2D96-7AE6-498C-A65A-58BFE51032EB}">
+  <ds:schemaRefs>
+    <ds:schemaRef ds:uri="http://schemas.microsoft.com/sharepoint/v3/contenttype/forms"/>
   </ds:schemaRefs>
 </ds:datastoreItem>
 </file>
